--- a/Multithreading S.pptx
+++ b/Multithreading S.pptx
@@ -241,7 +241,7 @@
             <a:fld id="{5243FF25-ED0C-4FBE-AFEA-A8526FB260D4}" type="datetimeFigureOut">
               <a:rPr lang="en-US" smtClean="0"/>
               <a:pPr/>
-              <a:t>3/11/2014</a:t>
+              <a:t>4/19/2019</a:t>
             </a:fld>
             <a:endParaRPr lang="en-US"/>
           </a:p>
@@ -876,7 +876,7 @@
             <a:fld id="{5243FF25-ED0C-4FBE-AFEA-A8526FB260D4}" type="datetimeFigureOut">
               <a:rPr lang="en-US" smtClean="0"/>
               <a:pPr/>
-              <a:t>3/11/2014</a:t>
+              <a:t>4/19/2019</a:t>
             </a:fld>
             <a:endParaRPr lang="en-US"/>
           </a:p>
@@ -1155,7 +1155,7 @@
             <a:fld id="{5243FF25-ED0C-4FBE-AFEA-A8526FB260D4}" type="datetimeFigureOut">
               <a:rPr lang="en-US" smtClean="0"/>
               <a:pPr/>
-              <a:t>3/11/2014</a:t>
+              <a:t>4/19/2019</a:t>
             </a:fld>
             <a:endParaRPr lang="en-US"/>
           </a:p>
@@ -1322,7 +1322,7 @@
             <a:fld id="{5243FF25-ED0C-4FBE-AFEA-A8526FB260D4}" type="datetimeFigureOut">
               <a:rPr lang="en-US" smtClean="0"/>
               <a:pPr/>
-              <a:t>3/11/2014</a:t>
+              <a:t>4/19/2019</a:t>
             </a:fld>
             <a:endParaRPr lang="en-US"/>
           </a:p>
@@ -1505,7 +1505,7 @@
             <a:fld id="{5243FF25-ED0C-4FBE-AFEA-A8526FB260D4}" type="datetimeFigureOut">
               <a:rPr lang="en-US" smtClean="0"/>
               <a:pPr/>
-              <a:t>3/11/2014</a:t>
+              <a:t>4/19/2019</a:t>
             </a:fld>
             <a:endParaRPr lang="en-US"/>
           </a:p>
@@ -2152,7 +2152,7 @@
             <a:fld id="{5243FF25-ED0C-4FBE-AFEA-A8526FB260D4}" type="datetimeFigureOut">
               <a:rPr lang="en-US" smtClean="0"/>
               <a:pPr/>
-              <a:t>3/11/2014</a:t>
+              <a:t>4/19/2019</a:t>
             </a:fld>
             <a:endParaRPr lang="en-US"/>
           </a:p>
@@ -2580,7 +2580,7 @@
             <a:fld id="{5243FF25-ED0C-4FBE-AFEA-A8526FB260D4}" type="datetimeFigureOut">
               <a:rPr lang="en-US" smtClean="0"/>
               <a:pPr/>
-              <a:t>3/11/2014</a:t>
+              <a:t>4/19/2019</a:t>
             </a:fld>
             <a:endParaRPr lang="en-US"/>
           </a:p>
@@ -2695,7 +2695,7 @@
             <a:fld id="{5243FF25-ED0C-4FBE-AFEA-A8526FB260D4}" type="datetimeFigureOut">
               <a:rPr lang="en-US" smtClean="0"/>
               <a:pPr/>
-              <a:t>3/11/2014</a:t>
+              <a:t>4/19/2019</a:t>
             </a:fld>
             <a:endParaRPr lang="en-US"/>
           </a:p>
@@ -2878,7 +2878,7 @@
             <a:fld id="{5243FF25-ED0C-4FBE-AFEA-A8526FB260D4}" type="datetimeFigureOut">
               <a:rPr lang="en-US" smtClean="0"/>
               <a:pPr/>
-              <a:t>3/11/2014</a:t>
+              <a:t>4/19/2019</a:t>
             </a:fld>
             <a:endParaRPr lang="en-US"/>
           </a:p>
@@ -3146,7 +3146,7 @@
             <a:fld id="{5243FF25-ED0C-4FBE-AFEA-A8526FB260D4}" type="datetimeFigureOut">
               <a:rPr lang="en-US" smtClean="0"/>
               <a:pPr/>
-              <a:t>3/11/2014</a:t>
+              <a:t>4/19/2019</a:t>
             </a:fld>
             <a:endParaRPr lang="en-US"/>
           </a:p>
@@ -3618,7 +3618,7 @@
             <a:fld id="{5243FF25-ED0C-4FBE-AFEA-A8526FB260D4}" type="datetimeFigureOut">
               <a:rPr lang="en-US" smtClean="0"/>
               <a:pPr/>
-              <a:t>3/11/2014</a:t>
+              <a:t>4/19/2019</a:t>
             </a:fld>
             <a:endParaRPr lang="en-US"/>
           </a:p>
@@ -4180,7 +4180,7 @@
             <a:fld id="{5243FF25-ED0C-4FBE-AFEA-A8526FB260D4}" type="datetimeFigureOut">
               <a:rPr lang="en-US" smtClean="0"/>
               <a:pPr/>
-              <a:t>3/11/2014</a:t>
+              <a:t>4/19/2019</a:t>
             </a:fld>
             <a:endParaRPr lang="en-US"/>
           </a:p>
@@ -4715,45 +4715,6 @@
       </p:grpSpPr>
       <p:sp>
         <p:nvSpPr>
-          <p:cNvPr id="3" name="Subtitle 2"/>
-          <p:cNvSpPr>
-            <a:spLocks noGrp="1"/>
-          </p:cNvSpPr>
-          <p:nvPr>
-            <p:ph type="subTitle" idx="1"/>
-          </p:nvPr>
-        </p:nvSpPr>
-        <p:spPr/>
-        <p:txBody>
-          <a:bodyPr>
-            <a:normAutofit fontScale="70000" lnSpcReduction="20000"/>
-          </a:bodyPr>
-          <a:lstStyle/>
-          <a:p>
-            <a:r>
-              <a:rPr lang="en-US" dirty="0" smtClean="0"/>
-              <a:t>By :</a:t>
-            </a:r>
-          </a:p>
-          <a:p>
-            <a:r>
-              <a:rPr lang="en-US" dirty="0" err="1" smtClean="0"/>
-              <a:t>Sarang</a:t>
-            </a:r>
-            <a:r>
-              <a:rPr lang="en-US" dirty="0" smtClean="0"/>
-              <a:t> </a:t>
-            </a:r>
-            <a:r>
-              <a:rPr lang="en-US" dirty="0" err="1" smtClean="0"/>
-              <a:t>Shisode</a:t>
-            </a:r>
-            <a:endParaRPr lang="en-US" dirty="0"/>
-          </a:p>
-        </p:txBody>
-      </p:sp>
-      <p:sp>
-        <p:nvSpPr>
           <p:cNvPr id="2" name="Title 1"/>
           <p:cNvSpPr>
             <a:spLocks noGrp="1"/>
@@ -4775,10 +4736,29 @@
           </a:p>
         </p:txBody>
       </p:sp>
+      <p:sp>
+        <p:nvSpPr>
+          <p:cNvPr id="4" name="Subtitle 3"/>
+          <p:cNvSpPr>
+            <a:spLocks noGrp="1"/>
+          </p:cNvSpPr>
+          <p:nvPr>
+            <p:ph type="subTitle" idx="1"/>
+          </p:nvPr>
+        </p:nvSpPr>
+        <p:spPr/>
+        <p:txBody>
+          <a:bodyPr/>
+          <a:lstStyle/>
+          <a:p>
+            <a:endParaRPr lang="en-IN"/>
+          </a:p>
+        </p:txBody>
+      </p:sp>
     </p:spTree>
     <p:extLst>
       <p:ext uri="{BB962C8B-B14F-4D97-AF65-F5344CB8AC3E}">
-        <p14:creationId xmlns:p14="http://schemas.microsoft.com/office/powerpoint/2010/main" xmlns="" val="3882622826"/>
+        <p14:creationId xmlns:p14="http://schemas.microsoft.com/office/powerpoint/2010/main" val="3882622826"/>
       </p:ext>
     </p:extLst>
   </p:cSld>
@@ -4849,7 +4829,7 @@
           <a:blip r:embed="rId2" cstate="print">
             <a:extLst>
               <a:ext uri="{28A0092B-C50C-407E-A947-70E740481C1C}">
-                <a14:useLocalDpi xmlns:a14="http://schemas.microsoft.com/office/drawing/2010/main" xmlns="" val="0"/>
+                <a14:useLocalDpi xmlns:a14="http://schemas.microsoft.com/office/drawing/2010/main" val="0"/>
               </a:ext>
             </a:extLst>
           </a:blip>
@@ -5246,81 +5226,8 @@
                   </a:outerShdw>
                 </a:effectLst>
               </a:rPr>
-              <a:t>hich OS </a:t>
-            </a:r>
-            <a:r>
-              <a:rPr lang="en-US" sz="2800" b="1" dirty="0" smtClean="0">
-                <a:ln w="11430"/>
-                <a:gradFill>
-                  <a:gsLst>
-                    <a:gs pos="0">
-                      <a:schemeClr val="accent2">
-                        <a:tint val="70000"/>
-                        <a:satMod val="245000"/>
-                      </a:schemeClr>
-                    </a:gs>
-                    <a:gs pos="75000">
-                      <a:schemeClr val="accent2">
-                        <a:tint val="90000"/>
-                        <a:shade val="60000"/>
-                        <a:satMod val="240000"/>
-                      </a:schemeClr>
-                    </a:gs>
-                    <a:gs pos="100000">
-                      <a:schemeClr val="accent2">
-                        <a:tint val="100000"/>
-                        <a:shade val="50000"/>
-                        <a:satMod val="240000"/>
-                      </a:schemeClr>
-                    </a:gs>
-                  </a:gsLst>
-                  <a:lin ang="5400000"/>
-                </a:gradFill>
-                <a:effectLst>
-                  <a:outerShdw blurRad="50800" dist="39000" dir="5460000" algn="tl">
-                    <a:srgbClr val="000000">
-                      <a:alpha val="38000"/>
-                    </a:srgbClr>
-                  </a:outerShdw>
-                </a:effectLst>
-              </a:rPr>
-              <a:t>allocates </a:t>
-            </a:r>
-            <a:endParaRPr lang="en-US" sz="2800" b="1" dirty="0" smtClean="0">
-              <a:ln w="11430"/>
-              <a:gradFill>
-                <a:gsLst>
-                  <a:gs pos="0">
-                    <a:schemeClr val="accent2">
-                      <a:tint val="70000"/>
-                      <a:satMod val="245000"/>
-                    </a:schemeClr>
-                  </a:gs>
-                  <a:gs pos="75000">
-                    <a:schemeClr val="accent2">
-                      <a:tint val="90000"/>
-                      <a:shade val="60000"/>
-                      <a:satMod val="240000"/>
-                    </a:schemeClr>
-                  </a:gs>
-                  <a:gs pos="100000">
-                    <a:schemeClr val="accent2">
-                      <a:tint val="100000"/>
-                      <a:shade val="50000"/>
-                      <a:satMod val="240000"/>
-                    </a:schemeClr>
-                  </a:gs>
-                </a:gsLst>
-                <a:lin ang="5400000"/>
-              </a:gradFill>
-              <a:effectLst>
-                <a:outerShdw blurRad="50800" dist="39000" dir="5460000" algn="tl">
-                  <a:srgbClr val="000000">
-                    <a:alpha val="38000"/>
-                  </a:srgbClr>
-                </a:outerShdw>
-              </a:effectLst>
-            </a:endParaRPr>
+              <a:t>hich OS allocates </a:t>
+            </a:r>
           </a:p>
           <a:p>
             <a:pPr algn="ctr"/>
@@ -5510,7 +5417,7 @@
     </p:spTree>
     <p:extLst>
       <p:ext uri="{BB962C8B-B14F-4D97-AF65-F5344CB8AC3E}">
-        <p14:creationId xmlns:p14="http://schemas.microsoft.com/office/powerpoint/2010/main" xmlns="" val="3233574275"/>
+        <p14:creationId xmlns:p14="http://schemas.microsoft.com/office/powerpoint/2010/main" val="3233574275"/>
       </p:ext>
     </p:extLst>
   </p:cSld>
@@ -5966,7 +5873,7 @@
     </p:spTree>
     <p:extLst>
       <p:ext uri="{BB962C8B-B14F-4D97-AF65-F5344CB8AC3E}">
-        <p14:creationId xmlns:p14="http://schemas.microsoft.com/office/powerpoint/2010/main" xmlns="" val="4669336"/>
+        <p14:creationId xmlns:p14="http://schemas.microsoft.com/office/powerpoint/2010/main" val="4669336"/>
       </p:ext>
     </p:extLst>
   </p:cSld>
@@ -6119,45 +6026,7 @@
                   </a:outerShdw>
                 </a:effectLst>
               </a:rPr>
-              <a:t>MORE </a:t>
-            </a:r>
-            <a:r>
-              <a:rPr lang="en-US" b="1" dirty="0" smtClean="0">
-                <a:ln w="11430"/>
-                <a:gradFill>
-                  <a:gsLst>
-                    <a:gs pos="0">
-                      <a:schemeClr val="accent2">
-                        <a:tint val="70000"/>
-                        <a:satMod val="245000"/>
-                      </a:schemeClr>
-                    </a:gs>
-                    <a:gs pos="75000">
-                      <a:schemeClr val="accent2">
-                        <a:tint val="90000"/>
-                        <a:shade val="60000"/>
-                        <a:satMod val="240000"/>
-                      </a:schemeClr>
-                    </a:gs>
-                    <a:gs pos="100000">
-                      <a:schemeClr val="accent2">
-                        <a:tint val="100000"/>
-                        <a:shade val="50000"/>
-                        <a:satMod val="240000"/>
-                      </a:schemeClr>
-                    </a:gs>
-                  </a:gsLst>
-                  <a:lin ang="5400000"/>
-                </a:gradFill>
-                <a:effectLst>
-                  <a:outerShdw blurRad="50800" dist="39000" dir="5460000" algn="tl">
-                    <a:srgbClr val="000000">
-                      <a:alpha val="38000"/>
-                    </a:srgbClr>
-                  </a:outerShdw>
-                </a:effectLst>
-              </a:rPr>
-              <a:t>RESPONSIVE</a:t>
+              <a:t>MORE RESPONSIVE</a:t>
             </a:r>
           </a:p>
           <a:p>
@@ -6240,45 +6109,7 @@
                   </a:outerShdw>
                 </a:effectLst>
               </a:rPr>
-              <a:t>LOW </a:t>
-            </a:r>
-            <a:r>
-              <a:rPr lang="en-US" b="1" dirty="0" smtClean="0">
-                <a:ln w="11430"/>
-                <a:gradFill>
-                  <a:gsLst>
-                    <a:gs pos="0">
-                      <a:schemeClr val="accent2">
-                        <a:tint val="70000"/>
-                        <a:satMod val="245000"/>
-                      </a:schemeClr>
-                    </a:gs>
-                    <a:gs pos="75000">
-                      <a:schemeClr val="accent2">
-                        <a:tint val="90000"/>
-                        <a:shade val="60000"/>
-                        <a:satMod val="240000"/>
-                      </a:schemeClr>
-                    </a:gs>
-                    <a:gs pos="100000">
-                      <a:schemeClr val="accent2">
-                        <a:tint val="100000"/>
-                        <a:shade val="50000"/>
-                        <a:satMod val="240000"/>
-                      </a:schemeClr>
-                    </a:gs>
-                  </a:gsLst>
-                  <a:lin ang="5400000"/>
-                </a:gradFill>
-                <a:effectLst>
-                  <a:outerShdw blurRad="50800" dist="39000" dir="5460000" algn="tl">
-                    <a:srgbClr val="000000">
-                      <a:alpha val="38000"/>
-                    </a:srgbClr>
-                  </a:outerShdw>
-                </a:effectLst>
-              </a:rPr>
-              <a:t>COST</a:t>
+              <a:t>LOW COST</a:t>
             </a:r>
           </a:p>
           <a:p>
@@ -6361,45 +6192,7 @@
                   </a:outerShdw>
                 </a:effectLst>
               </a:rPr>
-              <a:t>EASY TO BUILD SCALABLE </a:t>
-            </a:r>
-            <a:r>
-              <a:rPr lang="en-US" b="1" dirty="0" smtClean="0">
-                <a:ln w="11430"/>
-                <a:gradFill>
-                  <a:gsLst>
-                    <a:gs pos="0">
-                      <a:schemeClr val="accent2">
-                        <a:tint val="70000"/>
-                        <a:satMod val="245000"/>
-                      </a:schemeClr>
-                    </a:gs>
-                    <a:gs pos="75000">
-                      <a:schemeClr val="accent2">
-                        <a:tint val="90000"/>
-                        <a:shade val="60000"/>
-                        <a:satMod val="240000"/>
-                      </a:schemeClr>
-                    </a:gs>
-                    <a:gs pos="100000">
-                      <a:schemeClr val="accent2">
-                        <a:tint val="100000"/>
-                        <a:shade val="50000"/>
-                        <a:satMod val="240000"/>
-                      </a:schemeClr>
-                    </a:gs>
-                  </a:gsLst>
-                  <a:lin ang="5400000"/>
-                </a:gradFill>
-                <a:effectLst>
-                  <a:outerShdw blurRad="50800" dist="39000" dir="5460000" algn="tl">
-                    <a:srgbClr val="000000">
-                      <a:alpha val="38000"/>
-                    </a:srgbClr>
-                  </a:outerShdw>
-                </a:effectLst>
-              </a:rPr>
-              <a:t>APPLICATIONS</a:t>
+              <a:t>EASY TO BUILD SCALABLE APPLICATIONS</a:t>
             </a:r>
           </a:p>
           <a:p>
@@ -6482,45 +6275,7 @@
                   </a:outerShdw>
                 </a:effectLst>
               </a:rPr>
-              <a:t>CLEANER AND ELEGANT PROGRAM </a:t>
-            </a:r>
-            <a:r>
-              <a:rPr lang="en-US" b="1" dirty="0" smtClean="0">
-                <a:ln w="11430"/>
-                <a:gradFill>
-                  <a:gsLst>
-                    <a:gs pos="0">
-                      <a:schemeClr val="accent2">
-                        <a:tint val="70000"/>
-                        <a:satMod val="245000"/>
-                      </a:schemeClr>
-                    </a:gs>
-                    <a:gs pos="75000">
-                      <a:schemeClr val="accent2">
-                        <a:tint val="90000"/>
-                        <a:shade val="60000"/>
-                        <a:satMod val="240000"/>
-                      </a:schemeClr>
-                    </a:gs>
-                    <a:gs pos="100000">
-                      <a:schemeClr val="accent2">
-                        <a:tint val="100000"/>
-                        <a:shade val="50000"/>
-                        <a:satMod val="240000"/>
-                      </a:schemeClr>
-                    </a:gs>
-                  </a:gsLst>
-                  <a:lin ang="5400000"/>
-                </a:gradFill>
-                <a:effectLst>
-                  <a:outerShdw blurRad="50800" dist="39000" dir="5460000" algn="tl">
-                    <a:srgbClr val="000000">
-                      <a:alpha val="38000"/>
-                    </a:srgbClr>
-                  </a:outerShdw>
-                </a:effectLst>
-              </a:rPr>
-              <a:t>DESIGN</a:t>
+              <a:t>CLEANER AND ELEGANT PROGRAM DESIGN</a:t>
             </a:r>
           </a:p>
           <a:p>
@@ -6603,45 +6358,7 @@
                   </a:outerShdw>
                 </a:effectLst>
               </a:rPr>
-              <a:t>SPEEDY </a:t>
-            </a:r>
-            <a:r>
-              <a:rPr lang="en-US" b="1" dirty="0" smtClean="0">
-                <a:ln w="11430"/>
-                <a:gradFill>
-                  <a:gsLst>
-                    <a:gs pos="0">
-                      <a:schemeClr val="accent2">
-                        <a:tint val="70000"/>
-                        <a:satMod val="245000"/>
-                      </a:schemeClr>
-                    </a:gs>
-                    <a:gs pos="75000">
-                      <a:schemeClr val="accent2">
-                        <a:tint val="90000"/>
-                        <a:shade val="60000"/>
-                        <a:satMod val="240000"/>
-                      </a:schemeClr>
-                    </a:gs>
-                    <a:gs pos="100000">
-                      <a:schemeClr val="accent2">
-                        <a:tint val="100000"/>
-                        <a:shade val="50000"/>
-                        <a:satMod val="240000"/>
-                      </a:schemeClr>
-                    </a:gs>
-                  </a:gsLst>
-                  <a:lin ang="5400000"/>
-                </a:gradFill>
-                <a:effectLst>
-                  <a:outerShdw blurRad="50800" dist="39000" dir="5460000" algn="tl">
-                    <a:srgbClr val="000000">
-                      <a:alpha val="38000"/>
-                    </a:srgbClr>
-                  </a:outerShdw>
-                </a:effectLst>
-              </a:rPr>
-              <a:t>EXECUTION.</a:t>
+              <a:t>SPEEDY EXECUTION.</a:t>
             </a:r>
           </a:p>
           <a:p>
@@ -6655,7 +6372,7 @@
     </p:spTree>
     <p:extLst>
       <p:ext uri="{BB962C8B-B14F-4D97-AF65-F5344CB8AC3E}">
-        <p14:creationId xmlns:p14="http://schemas.microsoft.com/office/powerpoint/2010/main" xmlns="" val="1013723429"/>
+        <p14:creationId xmlns:p14="http://schemas.microsoft.com/office/powerpoint/2010/main" val="1013723429"/>
       </p:ext>
     </p:extLst>
   </p:cSld>
@@ -7136,41 +6853,6 @@
               </a:rPr>
               <a:t>NO SEQUENCE GAURANTEE</a:t>
             </a:r>
-            <a:endParaRPr lang="en-US" b="1" dirty="0" smtClean="0">
-              <a:ln w="11430"/>
-              <a:gradFill>
-                <a:gsLst>
-                  <a:gs pos="0">
-                    <a:schemeClr val="accent2">
-                      <a:tint val="70000"/>
-                      <a:satMod val="245000"/>
-                    </a:schemeClr>
-                  </a:gs>
-                  <a:gs pos="75000">
-                    <a:schemeClr val="accent2">
-                      <a:tint val="90000"/>
-                      <a:shade val="60000"/>
-                      <a:satMod val="240000"/>
-                    </a:schemeClr>
-                  </a:gs>
-                  <a:gs pos="100000">
-                    <a:schemeClr val="accent2">
-                      <a:tint val="100000"/>
-                      <a:shade val="50000"/>
-                      <a:satMod val="240000"/>
-                    </a:schemeClr>
-                  </a:gs>
-                </a:gsLst>
-                <a:lin ang="5400000"/>
-              </a:gradFill>
-              <a:effectLst>
-                <a:outerShdw blurRad="50800" dist="39000" dir="5460000" algn="tl">
-                  <a:srgbClr val="000000">
-                    <a:alpha val="38000"/>
-                  </a:srgbClr>
-                </a:outerShdw>
-              </a:effectLst>
-            </a:endParaRPr>
           </a:p>
           <a:p>
             <a:pPr marL="571500" indent="-457200">
@@ -7269,7 +6951,7 @@
           <a:blip r:embed="rId2" cstate="print">
             <a:extLst>
               <a:ext uri="{28A0092B-C50C-407E-A947-70E740481C1C}">
-                <a14:useLocalDpi xmlns:a14="http://schemas.microsoft.com/office/drawing/2010/main" xmlns="" val="0"/>
+                <a14:useLocalDpi xmlns:a14="http://schemas.microsoft.com/office/drawing/2010/main" val="0"/>
               </a:ext>
             </a:extLst>
           </a:blip>
@@ -7290,7 +6972,7 @@
     </p:spTree>
     <p:extLst>
       <p:ext uri="{BB962C8B-B14F-4D97-AF65-F5344CB8AC3E}">
-        <p14:creationId xmlns:p14="http://schemas.microsoft.com/office/powerpoint/2010/main" xmlns="" val="2152794090"/>
+        <p14:creationId xmlns:p14="http://schemas.microsoft.com/office/powerpoint/2010/main" val="2152794090"/>
       </p:ext>
     </p:extLst>
   </p:cSld>
@@ -7699,7 +7381,7 @@
     </p:spTree>
     <p:extLst>
       <p:ext uri="{BB962C8B-B14F-4D97-AF65-F5344CB8AC3E}">
-        <p14:creationId xmlns:p14="http://schemas.microsoft.com/office/powerpoint/2010/main" xmlns="" val="1312861949"/>
+        <p14:creationId xmlns:p14="http://schemas.microsoft.com/office/powerpoint/2010/main" val="1312861949"/>
       </p:ext>
     </p:extLst>
   </p:cSld>
@@ -7770,7 +7452,7 @@
           <a:blip r:embed="rId2" cstate="print">
             <a:extLst>
               <a:ext uri="{28A0092B-C50C-407E-A947-70E740481C1C}">
-                <a14:useLocalDpi xmlns:a14="http://schemas.microsoft.com/office/drawing/2010/main" xmlns="" val="0"/>
+                <a14:useLocalDpi xmlns:a14="http://schemas.microsoft.com/office/drawing/2010/main" val="0"/>
               </a:ext>
             </a:extLst>
           </a:blip>
@@ -8027,7 +7709,7 @@
     </p:spTree>
     <p:extLst>
       <p:ext uri="{BB962C8B-B14F-4D97-AF65-F5344CB8AC3E}">
-        <p14:creationId xmlns:p14="http://schemas.microsoft.com/office/powerpoint/2010/main" xmlns="" val="4277128771"/>
+        <p14:creationId xmlns:p14="http://schemas.microsoft.com/office/powerpoint/2010/main" val="4277128771"/>
       </p:ext>
     </p:extLst>
   </p:cSld>
@@ -8190,8 +7872,11 @@
                   </a:outerShdw>
                 </a:effectLst>
               </a:rPr>
-              <a:t>MUTEX</a:t>
-            </a:r>
+              <a:t>MUTEX:</a:t>
+            </a:r>
+          </a:p>
+          <a:p>
+            <a:pPr marL="571500" indent="-457200"/>
             <a:r>
               <a:rPr lang="en-US" b="1" dirty="0" smtClean="0">
                 <a:ln w="11430"/>
@@ -8228,86 +7913,7 @@
                   </a:outerShdw>
                 </a:effectLst>
               </a:rPr>
-              <a:t>:</a:t>
-            </a:r>
-          </a:p>
-          <a:p>
-            <a:pPr marL="571500" indent="-457200"/>
-            <a:r>
-              <a:rPr lang="en-US" b="1" dirty="0" smtClean="0">
-                <a:ln w="11430"/>
-                <a:gradFill>
-                  <a:gsLst>
-                    <a:gs pos="0">
-                      <a:schemeClr val="accent2">
-                        <a:tint val="70000"/>
-                        <a:satMod val="245000"/>
-                      </a:schemeClr>
-                    </a:gs>
-                    <a:gs pos="75000">
-                      <a:schemeClr val="accent2">
-                        <a:tint val="90000"/>
-                        <a:shade val="60000"/>
-                        <a:satMod val="240000"/>
-                      </a:schemeClr>
-                    </a:gs>
-                    <a:gs pos="100000">
-                      <a:schemeClr val="accent2">
-                        <a:tint val="100000"/>
-                        <a:shade val="50000"/>
-                        <a:satMod val="240000"/>
-                      </a:schemeClr>
-                    </a:gs>
-                  </a:gsLst>
-                  <a:lin ang="5400000"/>
-                </a:gradFill>
-                <a:effectLst>
-                  <a:outerShdw blurRad="50800" dist="39000" dir="5460000" algn="tl">
-                    <a:srgbClr val="000000">
-                      <a:alpha val="38000"/>
-                    </a:srgbClr>
-                  </a:outerShdw>
-                </a:effectLst>
-              </a:rPr>
-              <a:t>Inter Process </a:t>
-            </a:r>
-            <a:r>
-              <a:rPr lang="en-US" b="1" dirty="0" smtClean="0">
-                <a:ln w="11430"/>
-                <a:gradFill>
-                  <a:gsLst>
-                    <a:gs pos="0">
-                      <a:schemeClr val="accent2">
-                        <a:tint val="70000"/>
-                        <a:satMod val="245000"/>
-                      </a:schemeClr>
-                    </a:gs>
-                    <a:gs pos="75000">
-                      <a:schemeClr val="accent2">
-                        <a:tint val="90000"/>
-                        <a:shade val="60000"/>
-                        <a:satMod val="240000"/>
-                      </a:schemeClr>
-                    </a:gs>
-                    <a:gs pos="100000">
-                      <a:schemeClr val="accent2">
-                        <a:tint val="100000"/>
-                        <a:shade val="50000"/>
-                        <a:satMod val="240000"/>
-                      </a:schemeClr>
-                    </a:gs>
-                  </a:gsLst>
-                  <a:lin ang="5400000"/>
-                </a:gradFill>
-                <a:effectLst>
-                  <a:outerShdw blurRad="50800" dist="39000" dir="5460000" algn="tl">
-                    <a:srgbClr val="000000">
-                      <a:alpha val="38000"/>
-                    </a:srgbClr>
-                  </a:outerShdw>
-                </a:effectLst>
-              </a:rPr>
-              <a:t>synchronization.</a:t>
+              <a:t>Inter Process synchronization.</a:t>
             </a:r>
           </a:p>
           <a:p>
@@ -8518,7 +8124,7 @@
     </p:spTree>
     <p:extLst>
       <p:ext uri="{BB962C8B-B14F-4D97-AF65-F5344CB8AC3E}">
-        <p14:creationId xmlns:p14="http://schemas.microsoft.com/office/powerpoint/2010/main" xmlns="" val="1992912128"/>
+        <p14:creationId xmlns:p14="http://schemas.microsoft.com/office/powerpoint/2010/main" val="1992912128"/>
       </p:ext>
     </p:extLst>
   </p:cSld>
